--- a/BaoCao/Slide.pptx
+++ b/BaoCao/Slide.pptx
@@ -7494,6 +7494,9 @@
             <a:pPr algn="ctr"/>
             <a:r>
               <a:rPr lang="en-US" sz="2400" b="1" dirty="0">
+                <a:solidFill>
+                  <a:srgbClr val="01B3E3"/>
+                </a:solidFill>
                 <a:latin typeface="Roboto" panose="02000000000000000000" pitchFamily="2" charset="0"/>
                 <a:ea typeface="Roboto" panose="02000000000000000000" pitchFamily="2" charset="0"/>
               </a:rPr>
@@ -7501,6 +7504,9 @@
             </a:r>
             <a:r>
               <a:rPr lang="en-US" sz="2400" b="1" dirty="0" err="1">
+                <a:solidFill>
+                  <a:srgbClr val="01B3E3"/>
+                </a:solidFill>
                 <a:latin typeface="Roboto" panose="02000000000000000000" pitchFamily="2" charset="0"/>
                 <a:ea typeface="Roboto" panose="02000000000000000000" pitchFamily="2" charset="0"/>
               </a:rPr>
@@ -7508,6 +7514,9 @@
             </a:r>
             <a:r>
               <a:rPr lang="en-US" sz="2400" b="1" dirty="0">
+                <a:solidFill>
+                  <a:srgbClr val="01B3E3"/>
+                </a:solidFill>
                 <a:latin typeface="Roboto" panose="02000000000000000000" pitchFamily="2" charset="0"/>
                 <a:ea typeface="Roboto" panose="02000000000000000000" pitchFamily="2" charset="0"/>
               </a:rPr>
@@ -7515,6 +7524,9 @@
             </a:r>
             <a:r>
               <a:rPr lang="en-US" sz="2400" b="1" dirty="0" err="1">
+                <a:solidFill>
+                  <a:srgbClr val="01B3E3"/>
+                </a:solidFill>
                 <a:latin typeface="Roboto" panose="02000000000000000000" pitchFamily="2" charset="0"/>
                 <a:ea typeface="Roboto" panose="02000000000000000000" pitchFamily="2" charset="0"/>
               </a:rPr>
@@ -7522,6 +7534,9 @@
             </a:r>
             <a:r>
               <a:rPr lang="en-US" sz="2400" b="1" dirty="0">
+                <a:solidFill>
+                  <a:srgbClr val="01B3E3"/>
+                </a:solidFill>
                 <a:latin typeface="Roboto" panose="02000000000000000000" pitchFamily="2" charset="0"/>
                 <a:ea typeface="Roboto" panose="02000000000000000000" pitchFamily="2" charset="0"/>
               </a:rPr>
@@ -7529,6 +7544,9 @@
             </a:r>
             <a:r>
               <a:rPr lang="en-US" sz="2400" b="1" dirty="0" err="1">
+                <a:solidFill>
+                  <a:srgbClr val="01B3E3"/>
+                </a:solidFill>
                 <a:latin typeface="Roboto" panose="02000000000000000000" pitchFamily="2" charset="0"/>
                 <a:ea typeface="Roboto" panose="02000000000000000000" pitchFamily="2" charset="0"/>
               </a:rPr>
@@ -7536,6 +7554,9 @@
             </a:r>
             <a:r>
               <a:rPr lang="en-US" sz="2400" b="1" dirty="0">
+                <a:solidFill>
+                  <a:srgbClr val="01B3E3"/>
+                </a:solidFill>
                 <a:latin typeface="Roboto" panose="02000000000000000000" pitchFamily="2" charset="0"/>
                 <a:ea typeface="Roboto" panose="02000000000000000000" pitchFamily="2" charset="0"/>
               </a:rPr>
@@ -7543,6 +7564,9 @@
             </a:r>
             <a:r>
               <a:rPr lang="en-US" sz="2400" b="1" dirty="0" err="1">
+                <a:solidFill>
+                  <a:srgbClr val="01B3E3"/>
+                </a:solidFill>
                 <a:latin typeface="Roboto" panose="02000000000000000000" pitchFamily="2" charset="0"/>
                 <a:ea typeface="Roboto" panose="02000000000000000000" pitchFamily="2" charset="0"/>
               </a:rPr>
@@ -7550,6 +7574,9 @@
             </a:r>
             <a:r>
               <a:rPr lang="en-US" sz="2400" b="1" dirty="0">
+                <a:solidFill>
+                  <a:srgbClr val="01B3E3"/>
+                </a:solidFill>
                 <a:latin typeface="Roboto" panose="02000000000000000000" pitchFamily="2" charset="0"/>
                 <a:ea typeface="Roboto" panose="02000000000000000000" pitchFamily="2" charset="0"/>
               </a:rPr>
@@ -7557,6 +7584,9 @@
             </a:r>
             <a:r>
               <a:rPr lang="en-US" sz="2400" b="1" dirty="0" err="1">
+                <a:solidFill>
+                  <a:srgbClr val="01B3E3"/>
+                </a:solidFill>
                 <a:latin typeface="Roboto" panose="02000000000000000000" pitchFamily="2" charset="0"/>
                 <a:ea typeface="Roboto" panose="02000000000000000000" pitchFamily="2" charset="0"/>
               </a:rPr>
@@ -7564,6 +7594,9 @@
             </a:r>
             <a:r>
               <a:rPr lang="en-US" sz="2400" b="1" dirty="0">
+                <a:solidFill>
+                  <a:srgbClr val="01B3E3"/>
+                </a:solidFill>
                 <a:latin typeface="Roboto" panose="02000000000000000000" pitchFamily="2" charset="0"/>
                 <a:ea typeface="Roboto" panose="02000000000000000000" pitchFamily="2" charset="0"/>
               </a:rPr>
@@ -10064,6 +10097,18 @@
   <p:clrMapOvr>
     <a:masterClrMapping/>
   </p:clrMapOvr>
+  <mc:AlternateContent xmlns:mc="http://schemas.openxmlformats.org/markup-compatibility/2006">
+    <mc:Choice xmlns:p14="http://schemas.microsoft.com/office/powerpoint/2010/main" Requires="p14">
+      <p:transition spd="med" p14:dur="700">
+        <p:fade/>
+      </p:transition>
+    </mc:Choice>
+    <mc:Fallback>
+      <p:transition spd="med">
+        <p:fade/>
+      </p:transition>
+    </mc:Fallback>
+  </mc:AlternateContent>
   <p:timing>
     <p:tnLst>
       <p:par>
@@ -11238,13 +11283,17 @@
               </a:ext>
             </a:extLst>
           </p:cNvPr>
-          <p:cNvCxnSpPr/>
+          <p:cNvCxnSpPr>
+            <a:cxnSpLocks/>
+            <a:stCxn id="5" idx="1"/>
+            <a:endCxn id="3" idx="0"/>
+          </p:cNvCxnSpPr>
           <p:nvPr/>
         </p:nvCxnSpPr>
         <p:spPr>
           <a:xfrm flipH="1">
-            <a:off x="2979575" y="2076561"/>
-            <a:ext cx="989045" cy="584718"/>
+            <a:off x="2037869" y="1908329"/>
+            <a:ext cx="1669494" cy="465373"/>
           </a:xfrm>
           <a:prstGeom prst="straightConnector1">
             <a:avLst/>
@@ -11286,9 +11335,9 @@
           <p:nvPr/>
         </p:nvCxnSpPr>
         <p:spPr>
-          <a:xfrm>
-            <a:off x="4410270" y="2073847"/>
-            <a:ext cx="3109" cy="843136"/>
+          <a:xfrm flipH="1">
+            <a:off x="3450679" y="2073847"/>
+            <a:ext cx="959592" cy="856553"/>
           </a:xfrm>
           <a:prstGeom prst="straightConnector1">
             <a:avLst/>
@@ -11326,13 +11375,15 @@
           </p:cNvPr>
           <p:cNvCxnSpPr>
             <a:cxnSpLocks/>
+            <a:stCxn id="2" idx="2"/>
+            <a:endCxn id="14" idx="0"/>
           </p:cNvCxnSpPr>
           <p:nvPr/>
         </p:nvCxnSpPr>
         <p:spPr>
           <a:xfrm>
-            <a:off x="4914122" y="2079275"/>
-            <a:ext cx="1020147" cy="579290"/>
+            <a:off x="4413379" y="2050587"/>
+            <a:ext cx="1144226" cy="871960"/>
           </a:xfrm>
           <a:prstGeom prst="straightConnector1">
             <a:avLst/>
@@ -11404,11 +11455,289 @@
           </a:p>
         </p:txBody>
       </p:sp>
+      <p:sp>
+        <p:nvSpPr>
+          <p:cNvPr id="3" name="Rectangle 2">
+            <a:extLst>
+              <a:ext uri="{FF2B5EF4-FFF2-40B4-BE49-F238E27FC236}">
+                <a16:creationId xmlns:a16="http://schemas.microsoft.com/office/drawing/2014/main" id="{EF0DFC00-2024-4DE9-9F7D-0E6624AB2B9F}"/>
+              </a:ext>
+            </a:extLst>
+          </p:cNvPr>
+          <p:cNvSpPr/>
+          <p:nvPr/>
+        </p:nvSpPr>
+        <p:spPr>
+          <a:xfrm>
+            <a:off x="1260587" y="2373702"/>
+            <a:ext cx="1554563" cy="351035"/>
+          </a:xfrm>
+          <a:prstGeom prst="rect">
+            <a:avLst/>
+          </a:prstGeom>
+          <a:ln>
+            <a:solidFill>
+              <a:schemeClr val="tx1"/>
+            </a:solidFill>
+          </a:ln>
+        </p:spPr>
+        <p:style>
+          <a:lnRef idx="2">
+            <a:schemeClr val="accent6"/>
+          </a:lnRef>
+          <a:fillRef idx="1">
+            <a:schemeClr val="lt1"/>
+          </a:fillRef>
+          <a:effectRef idx="0">
+            <a:schemeClr val="accent6"/>
+          </a:effectRef>
+          <a:fontRef idx="minor">
+            <a:schemeClr val="dk1"/>
+          </a:fontRef>
+        </p:style>
+        <p:txBody>
+          <a:bodyPr rtlCol="0" anchor="ctr"/>
+          <a:lstStyle/>
+          <a:p>
+            <a:pPr algn="ctr"/>
+            <a:r>
+              <a:rPr lang="en-US" dirty="0" err="1"/>
+              <a:t>Thêm</a:t>
+            </a:r>
+            <a:endParaRPr lang="en-US" dirty="0"/>
+          </a:p>
+        </p:txBody>
+      </p:sp>
+      <p:sp>
+        <p:nvSpPr>
+          <p:cNvPr id="12" name="Rectangle 11">
+            <a:extLst>
+              <a:ext uri="{FF2B5EF4-FFF2-40B4-BE49-F238E27FC236}">
+                <a16:creationId xmlns:a16="http://schemas.microsoft.com/office/drawing/2014/main" id="{C99B62B9-026D-4722-ABD4-CFAFB9166157}"/>
+              </a:ext>
+            </a:extLst>
+          </p:cNvPr>
+          <p:cNvSpPr/>
+          <p:nvPr/>
+        </p:nvSpPr>
+        <p:spPr>
+          <a:xfrm>
+            <a:off x="2618149" y="2927006"/>
+            <a:ext cx="1554563" cy="351035"/>
+          </a:xfrm>
+          <a:prstGeom prst="rect">
+            <a:avLst/>
+          </a:prstGeom>
+          <a:ln>
+            <a:solidFill>
+              <a:schemeClr val="tx1"/>
+            </a:solidFill>
+          </a:ln>
+        </p:spPr>
+        <p:style>
+          <a:lnRef idx="2">
+            <a:schemeClr val="accent6"/>
+          </a:lnRef>
+          <a:fillRef idx="1">
+            <a:schemeClr val="lt1"/>
+          </a:fillRef>
+          <a:effectRef idx="0">
+            <a:schemeClr val="accent6"/>
+          </a:effectRef>
+          <a:fontRef idx="minor">
+            <a:schemeClr val="dk1"/>
+          </a:fontRef>
+        </p:style>
+        <p:txBody>
+          <a:bodyPr rtlCol="0" anchor="ctr"/>
+          <a:lstStyle/>
+          <a:p>
+            <a:pPr algn="ctr"/>
+            <a:r>
+              <a:rPr lang="en-US" dirty="0" err="1"/>
+              <a:t>Sửa</a:t>
+            </a:r>
+            <a:endParaRPr lang="en-US" dirty="0"/>
+          </a:p>
+        </p:txBody>
+      </p:sp>
+      <p:sp>
+        <p:nvSpPr>
+          <p:cNvPr id="14" name="Rectangle 13">
+            <a:extLst>
+              <a:ext uri="{FF2B5EF4-FFF2-40B4-BE49-F238E27FC236}">
+                <a16:creationId xmlns:a16="http://schemas.microsoft.com/office/drawing/2014/main" id="{E92C4322-8309-4487-A7A2-8F346F0F6076}"/>
+              </a:ext>
+            </a:extLst>
+          </p:cNvPr>
+          <p:cNvSpPr/>
+          <p:nvPr/>
+        </p:nvSpPr>
+        <p:spPr>
+          <a:xfrm>
+            <a:off x="4780323" y="2922547"/>
+            <a:ext cx="1554563" cy="351035"/>
+          </a:xfrm>
+          <a:prstGeom prst="rect">
+            <a:avLst/>
+          </a:prstGeom>
+          <a:ln>
+            <a:solidFill>
+              <a:schemeClr val="tx1"/>
+            </a:solidFill>
+          </a:ln>
+        </p:spPr>
+        <p:style>
+          <a:lnRef idx="2">
+            <a:schemeClr val="accent6"/>
+          </a:lnRef>
+          <a:fillRef idx="1">
+            <a:schemeClr val="lt1"/>
+          </a:fillRef>
+          <a:effectRef idx="0">
+            <a:schemeClr val="accent6"/>
+          </a:effectRef>
+          <a:fontRef idx="minor">
+            <a:schemeClr val="dk1"/>
+          </a:fontRef>
+        </p:style>
+        <p:txBody>
+          <a:bodyPr rtlCol="0" anchor="ctr"/>
+          <a:lstStyle/>
+          <a:p>
+            <a:pPr algn="ctr"/>
+            <a:r>
+              <a:rPr lang="en-US" dirty="0" err="1"/>
+              <a:t>Xoá</a:t>
+            </a:r>
+            <a:endParaRPr lang="en-US" dirty="0"/>
+          </a:p>
+        </p:txBody>
+      </p:sp>
+      <p:sp>
+        <p:nvSpPr>
+          <p:cNvPr id="16" name="Rectangle 15">
+            <a:extLst>
+              <a:ext uri="{FF2B5EF4-FFF2-40B4-BE49-F238E27FC236}">
+                <a16:creationId xmlns:a16="http://schemas.microsoft.com/office/drawing/2014/main" id="{7D22EC50-1B7C-41BB-A266-5E793EF930E8}"/>
+              </a:ext>
+            </a:extLst>
+          </p:cNvPr>
+          <p:cNvSpPr/>
+          <p:nvPr/>
+        </p:nvSpPr>
+        <p:spPr>
+          <a:xfrm>
+            <a:off x="6166901" y="2342066"/>
+            <a:ext cx="1554563" cy="351035"/>
+          </a:xfrm>
+          <a:prstGeom prst="rect">
+            <a:avLst/>
+          </a:prstGeom>
+          <a:ln>
+            <a:solidFill>
+              <a:schemeClr val="tx1"/>
+            </a:solidFill>
+          </a:ln>
+        </p:spPr>
+        <p:style>
+          <a:lnRef idx="2">
+            <a:schemeClr val="accent6"/>
+          </a:lnRef>
+          <a:fillRef idx="1">
+            <a:schemeClr val="lt1"/>
+          </a:fillRef>
+          <a:effectRef idx="0">
+            <a:schemeClr val="accent6"/>
+          </a:effectRef>
+          <a:fontRef idx="minor">
+            <a:schemeClr val="dk1"/>
+          </a:fontRef>
+        </p:style>
+        <p:txBody>
+          <a:bodyPr rtlCol="0" anchor="ctr"/>
+          <a:lstStyle/>
+          <a:p>
+            <a:pPr algn="ctr"/>
+            <a:r>
+              <a:rPr lang="en-US" dirty="0" err="1"/>
+              <a:t>Tìm</a:t>
+            </a:r>
+            <a:r>
+              <a:rPr lang="en-US" dirty="0"/>
+              <a:t> </a:t>
+            </a:r>
+            <a:r>
+              <a:rPr lang="en-US" dirty="0" err="1"/>
+              <a:t>kiếm</a:t>
+            </a:r>
+            <a:endParaRPr lang="en-US" dirty="0"/>
+          </a:p>
+        </p:txBody>
+      </p:sp>
+      <p:cxnSp>
+        <p:nvCxnSpPr>
+          <p:cNvPr id="17" name="Straight Arrow Connector 16">
+            <a:extLst>
+              <a:ext uri="{FF2B5EF4-FFF2-40B4-BE49-F238E27FC236}">
+                <a16:creationId xmlns:a16="http://schemas.microsoft.com/office/drawing/2014/main" id="{22F48719-B4E1-462C-9264-6F74D25F26C3}"/>
+              </a:ext>
+            </a:extLst>
+          </p:cNvPr>
+          <p:cNvCxnSpPr>
+            <a:cxnSpLocks/>
+            <a:stCxn id="5" idx="3"/>
+            <a:endCxn id="16" idx="0"/>
+          </p:cNvCxnSpPr>
+          <p:nvPr/>
+        </p:nvCxnSpPr>
+        <p:spPr>
+          <a:xfrm>
+            <a:off x="5150497" y="1908329"/>
+            <a:ext cx="1793686" cy="433737"/>
+          </a:xfrm>
+          <a:prstGeom prst="straightConnector1">
+            <a:avLst/>
+          </a:prstGeom>
+          <a:ln>
+            <a:solidFill>
+              <a:schemeClr val="tx1"/>
+            </a:solidFill>
+            <a:tailEnd type="triangle"/>
+          </a:ln>
+        </p:spPr>
+        <p:style>
+          <a:lnRef idx="1">
+            <a:schemeClr val="accent1"/>
+          </a:lnRef>
+          <a:fillRef idx="0">
+            <a:schemeClr val="accent1"/>
+          </a:fillRef>
+          <a:effectRef idx="0">
+            <a:schemeClr val="accent1"/>
+          </a:effectRef>
+          <a:fontRef idx="minor">
+            <a:schemeClr val="tx1"/>
+          </a:fontRef>
+        </p:style>
+      </p:cxnSp>
     </p:spTree>
   </p:cSld>
   <p:clrMapOvr>
     <a:masterClrMapping/>
   </p:clrMapOvr>
+  <mc:AlternateContent xmlns:mc="http://schemas.openxmlformats.org/markup-compatibility/2006">
+    <mc:Choice xmlns:p14="http://schemas.microsoft.com/office/powerpoint/2010/main" Requires="p14">
+      <p:transition spd="med" p14:dur="700">
+        <p:fade/>
+      </p:transition>
+    </mc:Choice>
+    <mc:Fallback>
+      <p:transition spd="med">
+        <p:fade/>
+      </p:transition>
+    </mc:Fallback>
+  </mc:AlternateContent>
 </p:sld>
 </file>
 
@@ -11628,7 +11957,7 @@
           <a:p>
             <a:pPr algn="ctr"/>
             <a:r>
-              <a:rPr lang="en-US" b="1" dirty="0" err="1">
+              <a:rPr lang="en-US" b="1" dirty="0">
                 <a:solidFill>
                   <a:schemeClr val="bg2">
                     <a:lumMod val="60000"/>
@@ -11638,44 +11967,8 @@
                 <a:latin typeface="Montserrat" panose="00000500000000000000" pitchFamily="2" charset="0"/>
                 <a:ea typeface="Roboto" panose="02000000000000000000" pitchFamily="2" charset="0"/>
               </a:rPr>
-              <a:t>Ngôn</a:t>
-            </a:r>
-            <a:r>
-              <a:rPr lang="en-US" b="1" dirty="0">
-                <a:solidFill>
-                  <a:schemeClr val="bg2">
-                    <a:lumMod val="60000"/>
-                    <a:lumOff val="40000"/>
-                  </a:schemeClr>
-                </a:solidFill>
-                <a:latin typeface="Montserrat" panose="00000500000000000000" pitchFamily="2" charset="0"/>
-                <a:ea typeface="Roboto" panose="02000000000000000000" pitchFamily="2" charset="0"/>
-              </a:rPr>
-              <a:t> </a:t>
-            </a:r>
-            <a:r>
-              <a:rPr lang="en-US" b="1" dirty="0" err="1">
-                <a:solidFill>
-                  <a:schemeClr val="bg2">
-                    <a:lumMod val="60000"/>
-                    <a:lumOff val="40000"/>
-                  </a:schemeClr>
-                </a:solidFill>
-                <a:latin typeface="Montserrat" panose="00000500000000000000" pitchFamily="2" charset="0"/>
-                <a:ea typeface="Roboto" panose="02000000000000000000" pitchFamily="2" charset="0"/>
-              </a:rPr>
-              <a:t>ngữ</a:t>
-            </a:r>
-            <a:endParaRPr lang="en-US" b="1" dirty="0">
-              <a:solidFill>
-                <a:schemeClr val="bg2">
-                  <a:lumMod val="60000"/>
-                  <a:lumOff val="40000"/>
-                </a:schemeClr>
-              </a:solidFill>
-              <a:latin typeface="Montserrat" panose="00000500000000000000" pitchFamily="2" charset="0"/>
-              <a:ea typeface="Roboto" panose="02000000000000000000" pitchFamily="2" charset="0"/>
-            </a:endParaRPr>
+              <a:t>Programing</a:t>
+            </a:r>
           </a:p>
         </p:txBody>
       </p:sp>
@@ -11764,6 +12057,18 @@
   <p:clrMapOvr>
     <a:masterClrMapping/>
   </p:clrMapOvr>
+  <mc:AlternateContent xmlns:mc="http://schemas.openxmlformats.org/markup-compatibility/2006">
+    <mc:Choice xmlns:p14="http://schemas.microsoft.com/office/powerpoint/2010/main" Requires="p14">
+      <p:transition spd="med" p14:dur="700">
+        <p:fade/>
+      </p:transition>
+    </mc:Choice>
+    <mc:Fallback>
+      <p:transition spd="med">
+        <p:fade/>
+      </p:transition>
+    </mc:Fallback>
+  </mc:AlternateContent>
 </p:sld>
 </file>
 
@@ -12066,6 +12371,18 @@
   <p:clrMapOvr>
     <a:masterClrMapping/>
   </p:clrMapOvr>
+  <mc:AlternateContent xmlns:mc="http://schemas.openxmlformats.org/markup-compatibility/2006">
+    <mc:Choice xmlns:p14="http://schemas.microsoft.com/office/powerpoint/2010/main" Requires="p14">
+      <p:transition spd="med" p14:dur="700">
+        <p:fade/>
+      </p:transition>
+    </mc:Choice>
+    <mc:Fallback>
+      <p:transition spd="med">
+        <p:fade/>
+      </p:transition>
+    </mc:Fallback>
+  </mc:AlternateContent>
 </p:sld>
 </file>
 
